--- a/_site/slides/week03/lecture.pptx
+++ b/_site/slides/week03/lecture.pptx
@@ -32,7 +32,6 @@
     <p:sldId id="280" r:id="rId26"/>
     <p:sldId id="281" r:id="rId27"/>
     <p:sldId id="282" r:id="rId28"/>
-    <p:sldId id="283" r:id="rId29"/>
   </p:sldIdLst>
   <p:sldSz cx="12192000" cy="6858000"/>
   <p:notesSz cx="6858000" cy="9144000"/>
@@ -5013,97 +5012,6 @@
           <a:chExt cx="0" cy="0"/>
         </a:xfrm>
       </p:grpSpPr>
-      <p:sp>
-        <p:nvSpPr>
-          <p:cNvPr id="2" name="Title 1">
-            <a:extLst>
-              <a:ext uri="{FF2B5EF4-FFF2-40B4-BE49-F238E27FC236}">
-                <a16:creationId xmlns:a16="http://schemas.microsoft.com/office/drawing/2014/main" id="{DD9B8E45-0772-954C-8D4B-6E6808DFEDED}"/>
-              </a:ext>
-            </a:extLst>
-          </p:cNvPr>
-          <p:cNvSpPr>
-            <a:spLocks noGrp="1"/>
-          </p:cNvSpPr>
-          <p:nvPr>
-            <p:ph type="title"/>
-          </p:nvPr>
-        </p:nvSpPr>
-        <p:spPr>
-          <a:xfrm>
-            <a:off x="838200" y="365129"/>
-            <a:ext cx="10002520" cy="1325563"/>
-          </a:xfrm>
-          <a:prstGeom prst="rect">
-            <a:avLst/>
-          </a:prstGeom>
-        </p:spPr>
-        <p:txBody>
-          <a:bodyPr/>
-          <a:lstStyle/>
-          <a:p>
-            <a:pPr lvl="0" indent="0" marL="0">
-              <a:buNone/>
-            </a:pPr>
-            <a:r>
-              <a:rPr/>
-              <a:t>This is a topic and skill you’ve already been shown</a:t>
-            </a:r>
-          </a:p>
-        </p:txBody>
-      </p:sp>
-      <p:pic>
-        <p:nvPicPr>
-          <p:cNvPr descr="images/paste-6F9D0DD1.png" id="0" name="Picture 1"/>
-          <p:cNvPicPr>
-            <a:picLocks noGrp="1" noChangeAspect="1"/>
-          </p:cNvPicPr>
-          <p:nvPr/>
-        </p:nvPicPr>
-        <p:blipFill>
-          <a:blip r:embed="rId2"/>
-          <a:stretch>
-            <a:fillRect/>
-          </a:stretch>
-        </p:blipFill>
-        <p:spPr bwMode="auto">
-          <a:xfrm>
-            <a:off x="838200" y="3568700"/>
-            <a:ext cx="10515600" cy="838200"/>
-          </a:xfrm>
-          <a:prstGeom prst="rect">
-            <a:avLst/>
-          </a:prstGeom>
-          <a:noFill/>
-          <a:ln w="9525">
-            <a:noFill/>
-            <a:headEnd/>
-            <a:tailEnd/>
-          </a:ln>
-        </p:spPr>
-      </p:pic>
-    </p:spTree>
-  </p:cSld>
-</p:sld>
-</file>
-
-<file path=ppt/slides/slide11.xml><?xml version="1.0" encoding="utf-8"?>
-<p:sld xmlns:a="http://schemas.openxmlformats.org/drawingml/2006/main" xmlns:r="http://schemas.openxmlformats.org/officeDocument/2006/relationships" xmlns:p="http://schemas.openxmlformats.org/presentationml/2006/main">
-  <p:cSld>
-    <p:spTree>
-      <p:nvGrpSpPr>
-        <p:cNvPr id="1" name=""/>
-        <p:cNvGrpSpPr/>
-        <p:nvPr/>
-      </p:nvGrpSpPr>
-      <p:grpSpPr>
-        <a:xfrm>
-          <a:off x="0" y="0"/>
-          <a:ext cx="0" cy="0"/>
-          <a:chOff x="0" y="0"/>
-          <a:chExt cx="0" cy="0"/>
-        </a:xfrm>
-      </p:grpSpPr>
       <p:pic>
         <p:nvPicPr>
           <p:cNvPr descr="images/paste-1DF339DB.png" id="0" name="Picture 1"/>
@@ -5139,6 +5047,59 @@
 </p:sld>
 </file>
 
+<file path=ppt/slides/slide11.xml><?xml version="1.0" encoding="utf-8"?>
+<p:sld xmlns:a="http://schemas.openxmlformats.org/drawingml/2006/main" xmlns:r="http://schemas.openxmlformats.org/officeDocument/2006/relationships" xmlns:p="http://schemas.openxmlformats.org/presentationml/2006/main">
+  <p:cSld>
+    <p:spTree>
+      <p:nvGrpSpPr>
+        <p:cNvPr id="1" name=""/>
+        <p:cNvGrpSpPr/>
+        <p:nvPr/>
+      </p:nvGrpSpPr>
+      <p:grpSpPr>
+        <a:xfrm>
+          <a:off x="0" y="0"/>
+          <a:ext cx="0" cy="0"/>
+          <a:chOff x="0" y="0"/>
+          <a:chExt cx="0" cy="0"/>
+        </a:xfrm>
+      </p:grpSpPr>
+      <p:sp>
+        <p:nvSpPr>
+          <p:cNvPr id="3" name="Content Placeholder 2">
+            <a:extLst>
+              <a:ext uri="{FF2B5EF4-FFF2-40B4-BE49-F238E27FC236}">
+                <a16:creationId xmlns:a16="http://schemas.microsoft.com/office/drawing/2014/main" id="{A4EB24F9-04F1-C843-9D71-56C5C024552B}"/>
+              </a:ext>
+            </a:extLst>
+          </p:cNvPr>
+          <p:cNvSpPr>
+            <a:spLocks noGrp="1"/>
+          </p:cNvSpPr>
+          <p:nvPr>
+            <p:ph idx="1"/>
+          </p:nvPr>
+        </p:nvSpPr>
+        <p:spPr/>
+        <p:txBody>
+          <a:bodyPr/>
+          <a:lstStyle/>
+          <a:p>
+            <a:pPr lvl="0" indent="0" marL="0">
+              <a:buNone/>
+            </a:pPr>
+            <a:r>
+              <a:rPr/>
+              <a:t>Review these materials and consider your performance of the assessment, and any feedback</a:t>
+            </a:r>
+          </a:p>
+        </p:txBody>
+      </p:sp>
+    </p:spTree>
+  </p:cSld>
+</p:sld>
+</file>
+
 <file path=ppt/slides/slide12.xml><?xml version="1.0" encoding="utf-8"?>
 <p:sld xmlns:a="http://schemas.openxmlformats.org/drawingml/2006/main" xmlns:r="http://schemas.openxmlformats.org/officeDocument/2006/relationships" xmlns:p="http://schemas.openxmlformats.org/presentationml/2006/main">
   <p:cSld>
@@ -5158,59 +5119,6 @@
       </p:grpSpPr>
       <p:sp>
         <p:nvSpPr>
-          <p:cNvPr id="3" name="Content Placeholder 2">
-            <a:extLst>
-              <a:ext uri="{FF2B5EF4-FFF2-40B4-BE49-F238E27FC236}">
-                <a16:creationId xmlns:a16="http://schemas.microsoft.com/office/drawing/2014/main" id="{A4EB24F9-04F1-C843-9D71-56C5C024552B}"/>
-              </a:ext>
-            </a:extLst>
-          </p:cNvPr>
-          <p:cNvSpPr>
-            <a:spLocks noGrp="1"/>
-          </p:cNvSpPr>
-          <p:nvPr>
-            <p:ph idx="1"/>
-          </p:nvPr>
-        </p:nvSpPr>
-        <p:spPr/>
-        <p:txBody>
-          <a:bodyPr/>
-          <a:lstStyle/>
-          <a:p>
-            <a:pPr lvl="0" indent="0" marL="0">
-              <a:buNone/>
-            </a:pPr>
-            <a:r>
-              <a:rPr/>
-              <a:t>Review these materials and consider your performance of the assessment, and any feedback</a:t>
-            </a:r>
-          </a:p>
-        </p:txBody>
-      </p:sp>
-    </p:spTree>
-  </p:cSld>
-</p:sld>
-</file>
-
-<file path=ppt/slides/slide13.xml><?xml version="1.0" encoding="utf-8"?>
-<p:sld xmlns:a="http://schemas.openxmlformats.org/drawingml/2006/main" xmlns:r="http://schemas.openxmlformats.org/officeDocument/2006/relationships" xmlns:p="http://schemas.openxmlformats.org/presentationml/2006/main">
-  <p:cSld>
-    <p:spTree>
-      <p:nvGrpSpPr>
-        <p:cNvPr id="1" name=""/>
-        <p:cNvGrpSpPr/>
-        <p:nvPr/>
-      </p:nvGrpSpPr>
-      <p:grpSpPr>
-        <a:xfrm>
-          <a:off x="0" y="0"/>
-          <a:ext cx="0" cy="0"/>
-          <a:chOff x="0" y="0"/>
-          <a:chExt cx="0" cy="0"/>
-        </a:xfrm>
-      </p:grpSpPr>
-      <p:sp>
-        <p:nvSpPr>
           <p:cNvPr id="2" name="Title 1">
             <a:extLst>
               <a:ext uri="{FF2B5EF4-FFF2-40B4-BE49-F238E27FC236}">
@@ -5283,7 +5191,7 @@
             </a:pPr>
             <a:r>
               <a:rPr/>
-              <a:t>A ‘practical’ exercise, success if determined in light of practical value.</a:t>
+              <a:t>A ‘practical’ exercise, which we are giving feedback to once… but that you will do multiple times for your Mini-Dissertation.</a:t>
             </a:r>
           </a:p>
           <a:p>
@@ -5292,7 +5200,7 @@
             </a:pPr>
             <a:r>
               <a:rPr/>
-              <a:t>Helping to develop some aspect of your study design or methodology.</a:t>
+              <a:t>GOAL: to develop some aspect of your study design or methodology.</a:t>
             </a:r>
           </a:p>
           <a:p>
@@ -5311,7 +5219,7 @@
 </p:sld>
 </file>
 
-<file path=ppt/slides/slide14.xml><?xml version="1.0" encoding="utf-8"?>
+<file path=ppt/slides/slide13.xml><?xml version="1.0" encoding="utf-8"?>
 <p:sld xmlns:a="http://schemas.openxmlformats.org/drawingml/2006/main" xmlns:r="http://schemas.openxmlformats.org/officeDocument/2006/relationships" xmlns:p="http://schemas.openxmlformats.org/presentationml/2006/main">
   <p:cSld>
     <p:spTree>
@@ -5402,7 +5310,7 @@
 </p:sld>
 </file>
 
-<file path=ppt/slides/slide15.xml><?xml version="1.0" encoding="utf-8"?>
+<file path=ppt/slides/slide14.xml><?xml version="1.0" encoding="utf-8"?>
 <p:sld xmlns:a="http://schemas.openxmlformats.org/drawingml/2006/main" xmlns:r="http://schemas.openxmlformats.org/officeDocument/2006/relationships" xmlns:p="http://schemas.openxmlformats.org/presentationml/2006/main">
   <p:cSld>
     <p:spTree>
@@ -5493,6 +5401,134 @@
 </p:sld>
 </file>
 
+<file path=ppt/slides/slide15.xml><?xml version="1.0" encoding="utf-8"?>
+<p:sld xmlns:a="http://schemas.openxmlformats.org/drawingml/2006/main" xmlns:r="http://schemas.openxmlformats.org/officeDocument/2006/relationships" xmlns:p="http://schemas.openxmlformats.org/presentationml/2006/main">
+  <p:cSld>
+    <p:spTree>
+      <p:nvGrpSpPr>
+        <p:cNvPr id="1" name=""/>
+        <p:cNvGrpSpPr/>
+        <p:nvPr/>
+      </p:nvGrpSpPr>
+      <p:grpSpPr>
+        <a:xfrm>
+          <a:off x="0" y="0"/>
+          <a:ext cx="0" cy="0"/>
+          <a:chOff x="0" y="0"/>
+          <a:chExt cx="0" cy="0"/>
+        </a:xfrm>
+      </p:grpSpPr>
+      <p:sp>
+        <p:nvSpPr>
+          <p:cNvPr id="2" name="Title 1">
+            <a:extLst>
+              <a:ext uri="{FF2B5EF4-FFF2-40B4-BE49-F238E27FC236}">
+                <a16:creationId xmlns:a16="http://schemas.microsoft.com/office/drawing/2014/main" id="{DD9B8E45-0772-954C-8D4B-6E6808DFEDED}"/>
+              </a:ext>
+            </a:extLst>
+          </p:cNvPr>
+          <p:cNvSpPr>
+            <a:spLocks noGrp="1"/>
+          </p:cNvSpPr>
+          <p:nvPr>
+            <p:ph type="title"/>
+          </p:nvPr>
+        </p:nvSpPr>
+        <p:spPr>
+          <a:xfrm>
+            <a:off x="838200" y="365129"/>
+            <a:ext cx="10002520" cy="1325563"/>
+          </a:xfrm>
+          <a:prstGeom prst="rect">
+            <a:avLst/>
+          </a:prstGeom>
+        </p:spPr>
+        <p:txBody>
+          <a:bodyPr/>
+          <a:lstStyle/>
+          <a:p>
+            <a:pPr lvl="0" indent="0" marL="0">
+              <a:buNone/>
+            </a:pPr>
+            <a:r>
+              <a:rPr/>
+              <a:t>How do I do it? [one approach]</a:t>
+            </a:r>
+          </a:p>
+        </p:txBody>
+      </p:sp>
+      <p:sp>
+        <p:nvSpPr>
+          <p:cNvPr id="3" name="Content Placeholder 2">
+            <a:extLst>
+              <a:ext uri="{FF2B5EF4-FFF2-40B4-BE49-F238E27FC236}">
+                <a16:creationId xmlns:a16="http://schemas.microsoft.com/office/drawing/2014/main" id="{A4EB24F9-04F1-C843-9D71-56C5C024552B}"/>
+              </a:ext>
+            </a:extLst>
+          </p:cNvPr>
+          <p:cNvSpPr>
+            <a:spLocks noGrp="1"/>
+          </p:cNvSpPr>
+          <p:nvPr>
+            <p:ph idx="1"/>
+          </p:nvPr>
+        </p:nvSpPr>
+        <p:spPr/>
+        <p:txBody>
+          <a:bodyPr/>
+          <a:lstStyle/>
+          <a:p>
+            <a:pPr lvl="0" indent="0" marL="0">
+              <a:buNone/>
+            </a:pPr>
+            <a:r>
+              <a:rPr/>
+              <a:t>Review literature on a key part of your ‘puzzle’ (an IV, a ‘tool’, the DV etc)</a:t>
+            </a:r>
+          </a:p>
+          <a:p>
+            <a:pPr lvl="0" indent="0" marL="0">
+              <a:buNone/>
+            </a:pPr>
+            <a:r>
+              <a:rPr/>
+              <a:t>Apply critical evaluation to carefully chosen paper(s)</a:t>
+            </a:r>
+          </a:p>
+          <a:p>
+            <a:pPr lvl="0" indent="0" marL="0">
+              <a:buNone/>
+            </a:pPr>
+            <a:r>
+              <a:rPr/>
+              <a:t>Consider how it might realistically guide or inform your own research</a:t>
+            </a:r>
+          </a:p>
+          <a:p>
+            <a:pPr lvl="0" indent="0" marL="0">
+              <a:buNone/>
+            </a:pPr>
+            <a:r>
+              <a:rPr/>
+              <a:t>Identify a procedure to partially replicate, replicate, or replicate and extend/improve</a:t>
+            </a:r>
+          </a:p>
+          <a:p>
+            <a:pPr lvl="0" indent="0" marL="0">
+              <a:buNone/>
+            </a:pPr>
+            <a:r>
+              <a:rPr/>
+              <a:t>Detail how that takes shape and reflect on your confidence, skill base, perception of value</a:t>
+            </a:r>
+          </a:p>
+        </p:txBody>
+      </p:sp>
+    </p:spTree>
+  </p:cSld>
+</p:sld>
+</file>
+
 <file path=ppt/slides/slide16.xml><?xml version="1.0" encoding="utf-8"?>
 <p:sld xmlns:a="http://schemas.openxmlformats.org/drawingml/2006/main" xmlns:r="http://schemas.openxmlformats.org/officeDocument/2006/relationships" xmlns:p="http://schemas.openxmlformats.org/presentationml/2006/main">
   <p:cSld>
@@ -5544,7 +5580,7 @@
             </a:pPr>
             <a:r>
               <a:rPr/>
-              <a:t>How do I do it? [one approach]</a:t>
+              <a:t>or</a:t>
             </a:r>
           </a:p>
         </p:txBody>
@@ -5575,7 +5611,15 @@
             </a:pPr>
             <a:r>
               <a:rPr/>
-              <a:t>Review literature on a key part of your ‘puzzle’ (an IV, a ‘tool’, the DV etc)</a:t>
+              <a:t>You could approach it </a:t>
+            </a:r>
+            <a:r>
+              <a:rPr u="sng"/>
+              <a:t>strategically as a group</a:t>
+            </a:r>
+            <a:r>
+              <a:rPr/>
+              <a:t>.</a:t>
             </a:r>
           </a:p>
           <a:p>
@@ -5584,7 +5628,7 @@
             </a:pPr>
             <a:r>
               <a:rPr/>
-              <a:t>Apply critical evaluation to carefully chosen paper(s)</a:t>
+              <a:t>Identify areas to take ownership of, then divide and conquer!</a:t>
             </a:r>
           </a:p>
           <a:p>
@@ -5593,25 +5637,7 @@
             </a:pPr>
             <a:r>
               <a:rPr/>
-              <a:t>Consider how it might realistically guide or inform your own research</a:t>
-            </a:r>
-          </a:p>
-          <a:p>
-            <a:pPr lvl="0" indent="0" marL="0">
-              <a:buNone/>
-            </a:pPr>
-            <a:r>
-              <a:rPr/>
-              <a:t>Identify a procedure to partially replicate, replicate, or replicate and extend/improve</a:t>
-            </a:r>
-          </a:p>
-          <a:p>
-            <a:pPr lvl="0" indent="0" marL="0">
-              <a:buNone/>
-            </a:pPr>
-            <a:r>
-              <a:rPr/>
-              <a:t>Detail how that takes shape and reflect on your confidence, skill base, perception of value</a:t>
+              <a:t>Or fly solo and agree to later apply the same process to a mutually beneficial part of your study</a:t>
             </a:r>
           </a:p>
         </p:txBody>
@@ -5643,7 +5669,7 @@
           <p:cNvPr id="2" name="Title 1">
             <a:extLst>
               <a:ext uri="{FF2B5EF4-FFF2-40B4-BE49-F238E27FC236}">
-                <a16:creationId xmlns:a16="http://schemas.microsoft.com/office/drawing/2014/main" id="{DD9B8E45-0772-954C-8D4B-6E6808DFEDED}"/>
+                <a16:creationId xmlns:a16="http://schemas.microsoft.com/office/drawing/2014/main" id="{FF6A6CB2-D1B6-B94A-84C1-83C65423C650}"/>
               </a:ext>
             </a:extLst>
           </p:cNvPr>
@@ -5656,8 +5682,8 @@
         </p:nvSpPr>
         <p:spPr>
           <a:xfrm>
-            <a:off x="838200" y="365129"/>
-            <a:ext cx="10002520" cy="1325563"/>
+            <a:off x="831851" y="1709742"/>
+            <a:ext cx="10515600" cy="2852737"/>
           </a:xfrm>
           <a:prstGeom prst="rect">
             <a:avLst/>
@@ -5672,64 +5698,7 @@
             </a:pPr>
             <a:r>
               <a:rPr/>
-              <a:t>or</a:t>
-            </a:r>
-          </a:p>
-        </p:txBody>
-      </p:sp>
-      <p:sp>
-        <p:nvSpPr>
-          <p:cNvPr id="3" name="Content Placeholder 2">
-            <a:extLst>
-              <a:ext uri="{FF2B5EF4-FFF2-40B4-BE49-F238E27FC236}">
-                <a16:creationId xmlns:a16="http://schemas.microsoft.com/office/drawing/2014/main" id="{A4EB24F9-04F1-C843-9D71-56C5C024552B}"/>
-              </a:ext>
-            </a:extLst>
-          </p:cNvPr>
-          <p:cNvSpPr>
-            <a:spLocks noGrp="1"/>
-          </p:cNvSpPr>
-          <p:nvPr>
-            <p:ph idx="1"/>
-          </p:nvPr>
-        </p:nvSpPr>
-        <p:spPr/>
-        <p:txBody>
-          <a:bodyPr/>
-          <a:lstStyle/>
-          <a:p>
-            <a:pPr lvl="0" indent="0" marL="0">
-              <a:buNone/>
-            </a:pPr>
-            <a:r>
-              <a:rPr/>
-              <a:t>You could approach it </a:t>
-            </a:r>
-            <a:r>
-              <a:rPr u="sng"/>
-              <a:t>strategically as a group</a:t>
-            </a:r>
-            <a:r>
-              <a:rPr/>
-              <a:t>.</a:t>
-            </a:r>
-          </a:p>
-          <a:p>
-            <a:pPr lvl="0" indent="0" marL="0">
-              <a:buNone/>
-            </a:pPr>
-            <a:r>
-              <a:rPr/>
-              <a:t>Identify areas to take ownership of, then divide and conquer!</a:t>
-            </a:r>
-          </a:p>
-          <a:p>
-            <a:pPr lvl="0" indent="0" marL="0">
-              <a:buNone/>
-            </a:pPr>
-            <a:r>
-              <a:rPr/>
-              <a:t>Or fly solo and agree to later apply the same process to a mutually beneficial part of your study</a:t>
+              <a:t>Critical Proposal Support</a:t>
             </a:r>
           </a:p>
         </p:txBody>
@@ -5790,14 +5759,14 @@
             </a:pPr>
             <a:r>
               <a:rPr/>
-              <a:t>Critical Proposal Support</a:t>
+              <a:t>Briefing and Rubric</a:t>
             </a:r>
           </a:p>
         </p:txBody>
       </p:sp>
       <p:pic>
         <p:nvPicPr>
-          <p:cNvPr descr="images/paste-24D6E4F6.png" id="0" name="Picture 1"/>
+          <p:cNvPr descr="images/Lec03Courseworkinfo.png" id="0" name="Picture 1"/>
           <p:cNvPicPr>
             <a:picLocks noGrp="1" noChangeAspect="1"/>
           </p:cNvPicPr>
@@ -5811,8 +5780,8 @@
         </p:blipFill>
         <p:spPr bwMode="auto">
           <a:xfrm>
-            <a:off x="838200" y="3111500"/>
-            <a:ext cx="10515600" cy="1752600"/>
+            <a:off x="1003300" y="1816100"/>
+            <a:ext cx="10185400" cy="4343400"/>
           </a:xfrm>
           <a:prstGeom prst="rect">
             <a:avLst/>
@@ -5888,7 +5857,7 @@
       </p:sp>
       <p:pic>
         <p:nvPicPr>
-          <p:cNvPr descr="images/paste-502C4F9E.png" id="0" name="Picture 1"/>
+          <p:cNvPr descr="images/Lec03CritPropBrief1-01.png" id="0" name="Picture 1"/>
           <p:cNvPicPr>
             <a:picLocks noGrp="1" noChangeAspect="1"/>
           </p:cNvPicPr>
@@ -5902,8 +5871,8 @@
         </p:blipFill>
         <p:spPr bwMode="auto">
           <a:xfrm>
-            <a:off x="838200" y="1866900"/>
-            <a:ext cx="10515600" cy="4241800"/>
+            <a:off x="2857500" y="1816100"/>
+            <a:ext cx="6464300" cy="4343400"/>
           </a:xfrm>
           <a:prstGeom prst="rect">
             <a:avLst/>
@@ -5943,7 +5912,7 @@
           <p:cNvPr id="2" name="Title 1">
             <a:extLst>
               <a:ext uri="{FF2B5EF4-FFF2-40B4-BE49-F238E27FC236}">
-                <a16:creationId xmlns:a16="http://schemas.microsoft.com/office/drawing/2014/main" id="{FF6A6CB2-D1B6-B94A-84C1-83C65423C650}"/>
+                <a16:creationId xmlns:a16="http://schemas.microsoft.com/office/drawing/2014/main" id="{DD9B8E45-0772-954C-8D4B-6E6808DFEDED}"/>
               </a:ext>
             </a:extLst>
           </p:cNvPr>
@@ -5956,8 +5925,8 @@
         </p:nvSpPr>
         <p:spPr>
           <a:xfrm>
-            <a:off x="831851" y="1709742"/>
-            <a:ext cx="10515600" cy="2852737"/>
+            <a:off x="838200" y="365129"/>
+            <a:ext cx="10002520" cy="1325563"/>
           </a:xfrm>
           <a:prstGeom prst="rect">
             <a:avLst/>
@@ -5972,7 +5941,36 @@
             </a:pPr>
             <a:r>
               <a:rPr/>
-              <a:t>Attendance QR Code HERE</a:t>
+              <a:t>Key topics today</a:t>
+            </a:r>
+          </a:p>
+        </p:txBody>
+      </p:sp>
+      <p:sp>
+        <p:nvSpPr>
+          <p:cNvPr id="3" name="Content Placeholder 2">
+            <a:extLst>
+              <a:ext uri="{FF2B5EF4-FFF2-40B4-BE49-F238E27FC236}">
+                <a16:creationId xmlns:a16="http://schemas.microsoft.com/office/drawing/2014/main" id="{A4EB24F9-04F1-C843-9D71-56C5C024552B}"/>
+              </a:ext>
+            </a:extLst>
+          </p:cNvPr>
+          <p:cNvSpPr>
+            <a:spLocks noGrp="1"/>
+          </p:cNvSpPr>
+          <p:nvPr>
+            <p:ph idx="1"/>
+          </p:nvPr>
+        </p:nvSpPr>
+        <p:spPr/>
+        <p:txBody>
+          <a:bodyPr/>
+          <a:lstStyle/>
+          <a:p>
+            <a:pPr lvl="0"/>
+            <a:r>
+              <a:rPr/>
+              <a:t>XX</a:t>
             </a:r>
           </a:p>
         </p:txBody>
@@ -6033,14 +6031,14 @@
             </a:pPr>
             <a:r>
               <a:rPr/>
-              <a:t>Please follow these</a:t>
+              <a:t>Rubric</a:t>
             </a:r>
           </a:p>
         </p:txBody>
       </p:sp>
       <p:pic>
         <p:nvPicPr>
-          <p:cNvPr descr="images/paste-7EC89469.png" id="0" name="Picture 1"/>
+          <p:cNvPr descr="images/Lec03CritPropRubric.png" id="0" name="Picture 1"/>
           <p:cNvPicPr>
             <a:picLocks noGrp="1" noChangeAspect="1"/>
           </p:cNvPicPr>
@@ -6054,8 +6052,8 @@
         </p:blipFill>
         <p:spPr bwMode="auto">
           <a:xfrm>
-            <a:off x="2654300" y="1816100"/>
-            <a:ext cx="6896100" cy="4343400"/>
+            <a:off x="3124200" y="1816100"/>
+            <a:ext cx="5943600" cy="4343400"/>
           </a:xfrm>
           <a:prstGeom prst="rect">
             <a:avLst/>
@@ -6124,86 +6122,41 @@
             </a:pPr>
             <a:r>
               <a:rPr/>
-              <a:t>More tips</a:t>
-            </a:r>
-          </a:p>
-        </p:txBody>
-      </p:sp>
-      <p:sp>
-        <p:nvSpPr>
-          <p:cNvPr id="3" name="Content Placeholder 2">
-            <a:extLst>
-              <a:ext uri="{FF2B5EF4-FFF2-40B4-BE49-F238E27FC236}">
-                <a16:creationId xmlns:a16="http://schemas.microsoft.com/office/drawing/2014/main" id="{A4EB24F9-04F1-C843-9D71-56C5C024552B}"/>
-              </a:ext>
-            </a:extLst>
-          </p:cNvPr>
-          <p:cNvSpPr>
-            <a:spLocks noGrp="1"/>
-          </p:cNvSpPr>
-          <p:nvPr>
-            <p:ph idx="1"/>
-          </p:nvPr>
-        </p:nvSpPr>
-        <p:spPr/>
-        <p:txBody>
-          <a:bodyPr/>
-          <a:lstStyle/>
-          <a:p>
-            <a:pPr lvl="0"/>
-            <a:r>
-              <a:rPr/>
-              <a:t>Please review the “SUGGESTED ESSAY OUTLINE” in the coursework briefing</a:t>
-            </a:r>
-          </a:p>
-          <a:p>
-            <a:pPr lvl="0"/>
-            <a:r>
-              <a:rPr/>
-              <a:t>No need to follow it roboticly, be strategic &amp; selective in terms of details</a:t>
-            </a:r>
-          </a:p>
-          <a:p>
-            <a:pPr lvl="0"/>
-            <a:r>
-              <a:rPr u="sng"/>
-              <a:t>Selection of a ‘good’ paper to focus on is an integral part of the assessment</a:t>
-            </a:r>
-            <a:r>
-              <a:rPr/>
-              <a:t>!</a:t>
-            </a:r>
-          </a:p>
-          <a:p>
-            <a:pPr lvl="0"/>
-            <a:r>
-              <a:rPr/>
-              <a:t>Do you think the first google result will be a fruitful paper? No, of course you don’t!</a:t>
-            </a:r>
-          </a:p>
-          <a:p>
-            <a:pPr lvl="0"/>
-            <a:r>
-              <a:rPr/>
-              <a:t>Use your Lab Tutor and me to get a sense of confidence. Early.</a:t>
-            </a:r>
-          </a:p>
-          <a:p>
-            <a:pPr lvl="0"/>
-            <a:r>
-              <a:rPr/>
-              <a:t>Tell us how you are searching and what you are looking for</a:t>
-            </a:r>
-          </a:p>
-          <a:p>
-            <a:pPr lvl="0"/>
-            <a:r>
-              <a:rPr/>
-              <a:t>Confirm the paper with us in a lab session [Priority given for this]</a:t>
-            </a:r>
-          </a:p>
-        </p:txBody>
-      </p:sp>
+              <a:t>Please follow the suggested outline</a:t>
+            </a:r>
+          </a:p>
+        </p:txBody>
+      </p:sp>
+      <p:pic>
+        <p:nvPicPr>
+          <p:cNvPr descr="images/Lec03Summaryoutline.png" id="0" name="Picture 1"/>
+          <p:cNvPicPr>
+            <a:picLocks noGrp="1" noChangeAspect="1"/>
+          </p:cNvPicPr>
+          <p:nvPr/>
+        </p:nvPicPr>
+        <p:blipFill>
+          <a:blip r:embed="rId2"/>
+          <a:stretch>
+            <a:fillRect/>
+          </a:stretch>
+        </p:blipFill>
+        <p:spPr bwMode="auto">
+          <a:xfrm>
+            <a:off x="2857500" y="1816100"/>
+            <a:ext cx="6464300" cy="4343400"/>
+          </a:xfrm>
+          <a:prstGeom prst="rect">
+            <a:avLst/>
+          </a:prstGeom>
+          <a:noFill/>
+          <a:ln w="9525">
+            <a:noFill/>
+            <a:headEnd/>
+            <a:tailEnd/>
+          </a:ln>
+        </p:spPr>
+      </p:pic>
     </p:spTree>
   </p:cSld>
 </p:sld>
@@ -6260,61 +6213,41 @@
             </a:pPr>
             <a:r>
               <a:rPr/>
-              <a:t>Even more tips</a:t>
-            </a:r>
-          </a:p>
-        </p:txBody>
-      </p:sp>
-      <p:sp>
-        <p:nvSpPr>
-          <p:cNvPr id="3" name="Content Placeholder 2">
-            <a:extLst>
-              <a:ext uri="{FF2B5EF4-FFF2-40B4-BE49-F238E27FC236}">
-                <a16:creationId xmlns:a16="http://schemas.microsoft.com/office/drawing/2014/main" id="{A4EB24F9-04F1-C843-9D71-56C5C024552B}"/>
-              </a:ext>
-            </a:extLst>
-          </p:cNvPr>
-          <p:cNvSpPr>
-            <a:spLocks noGrp="1"/>
-          </p:cNvSpPr>
-          <p:nvPr>
-            <p:ph idx="1"/>
-          </p:nvPr>
-        </p:nvSpPr>
-        <p:spPr/>
-        <p:txBody>
-          <a:bodyPr/>
-          <a:lstStyle/>
-          <a:p>
-            <a:pPr lvl="0"/>
-            <a:r>
-              <a:rPr/>
-              <a:t>Use some of the tools presented in the lab activity to help track down a suitable paper</a:t>
-            </a:r>
-          </a:p>
-          <a:p>
-            <a:pPr lvl="0"/>
-            <a:r>
-              <a:rPr/>
-              <a:t>Give yourself time to read, review, re-read and select your juiciest points</a:t>
-            </a:r>
-          </a:p>
-          <a:p>
-            <a:pPr lvl="0"/>
-            <a:r>
-              <a:rPr/>
-              <a:t>Avoid any discussion of methodologies that cannot inform your study directly</a:t>
-            </a:r>
-          </a:p>
-          <a:p>
-            <a:pPr lvl="1"/>
-            <a:r>
-              <a:rPr/>
-              <a:t>e.g. Clinical diagnostic procedures, fMRI technicalities, Criminal Record or Case Study review procedures</a:t>
-            </a:r>
-          </a:p>
-        </p:txBody>
-      </p:sp>
+              <a:t>Design information</a:t>
+            </a:r>
+          </a:p>
+        </p:txBody>
+      </p:sp>
+      <p:pic>
+        <p:nvPicPr>
+          <p:cNvPr descr="images/Thisismydesign.drawio-01.png" id="0" name="Picture 1"/>
+          <p:cNvPicPr>
+            <a:picLocks noGrp="1" noChangeAspect="1"/>
+          </p:cNvPicPr>
+          <p:nvPr/>
+        </p:nvPicPr>
+        <p:blipFill>
+          <a:blip r:embed="rId2"/>
+          <a:stretch>
+            <a:fillRect/>
+          </a:stretch>
+        </p:blipFill>
+        <p:spPr bwMode="auto">
+          <a:xfrm>
+            <a:off x="2781300" y="1816100"/>
+            <a:ext cx="6616700" cy="4343400"/>
+          </a:xfrm>
+          <a:prstGeom prst="rect">
+            <a:avLst/>
+          </a:prstGeom>
+          <a:noFill/>
+          <a:ln w="9525">
+            <a:noFill/>
+            <a:headEnd/>
+            <a:tailEnd/>
+          </a:ln>
+        </p:spPr>
+      </p:pic>
     </p:spTree>
   </p:cSld>
 </p:sld>
@@ -6371,7 +6304,7 @@
             </a:pPr>
             <a:r>
               <a:rPr/>
-              <a:t>You can (will) use LOTS of this in your MD!</a:t>
+              <a:t>More tips</a:t>
             </a:r>
           </a:p>
         </p:txBody>
@@ -6397,21 +6330,56 @@
           <a:bodyPr/>
           <a:lstStyle/>
           <a:p>
-            <a:pPr lvl="0" indent="0" marL="0">
-              <a:buNone/>
-            </a:pPr>
+            <a:pPr lvl="0"/>
             <a:r>
               <a:rPr/>
-              <a:t>This isn’t a sidetrack exercise. It’s a critical step in your project</a:t>
-            </a:r>
-          </a:p>
-          <a:p>
-            <a:pPr lvl="0" indent="0" marL="0">
-              <a:buNone/>
-            </a:pPr>
+              <a:t>Please review the “SUGGESTED ESSAY OUTLINE” in the coursework briefing</a:t>
+            </a:r>
+          </a:p>
+          <a:p>
+            <a:pPr lvl="0"/>
             <a:r>
               <a:rPr/>
-              <a:t>Note your references, note your main points, be organised</a:t>
+              <a:t>No need to follow it roboticly, be strategic &amp; selective in terms of details</a:t>
+            </a:r>
+          </a:p>
+          <a:p>
+            <a:pPr lvl="0"/>
+            <a:r>
+              <a:rPr u="sng"/>
+              <a:t>Selection of a ‘good’ paper to focus on is an integral part of the assessment</a:t>
+            </a:r>
+            <a:r>
+              <a:rPr/>
+              <a:t>!</a:t>
+            </a:r>
+          </a:p>
+          <a:p>
+            <a:pPr lvl="0"/>
+            <a:r>
+              <a:rPr/>
+              <a:t>Do you think the first google result will be a fruitful paper? No, of course you don’t!</a:t>
+            </a:r>
+          </a:p>
+          <a:p>
+            <a:pPr lvl="0"/>
+            <a:r>
+              <a:rPr/>
+              <a:t>Use your Lab Tutor and me to get a sense of confidence. Early.</a:t>
+            </a:r>
+          </a:p>
+          <a:p>
+            <a:pPr lvl="0"/>
+            <a:r>
+              <a:rPr/>
+              <a:t>Tell us how you are searching and what you are looking for</a:t>
+            </a:r>
+          </a:p>
+          <a:p>
+            <a:pPr lvl="0"/>
+            <a:r>
+              <a:rPr/>
+              <a:t>Confirm the paper with us in a lab session [Priority given for this]</a:t>
             </a:r>
           </a:p>
         </p:txBody>
@@ -6472,7 +6440,7 @@
             </a:pPr>
             <a:r>
               <a:rPr/>
-              <a:t>Weeks 4 &amp; 5</a:t>
+              <a:t>Even more tips</a:t>
             </a:r>
           </a:p>
         </p:txBody>
@@ -6498,39 +6466,31 @@
           <a:bodyPr/>
           <a:lstStyle/>
           <a:p>
-            <a:pPr lvl="0" indent="0" marL="0">
-              <a:buNone/>
-            </a:pPr>
+            <a:pPr lvl="0"/>
             <a:r>
               <a:rPr/>
-              <a:t>Talking about Variables and the 3 ‘flavours’ of ANOVA in week 4</a:t>
-            </a:r>
-          </a:p>
-          <a:p>
-            <a:pPr lvl="0" indent="0" marL="0">
-              <a:buNone/>
-            </a:pPr>
+              <a:t>Use some of the tools presented in the previous lab activity to help track down a suitable paper</a:t>
+            </a:r>
+          </a:p>
+          <a:p>
+            <a:pPr lvl="0"/>
             <a:r>
               <a:rPr/>
-              <a:t>Week 5 is ‘power calculations’ and opportunity to discuss CP</a:t>
-            </a:r>
-          </a:p>
-          <a:p>
-            <a:pPr lvl="0" indent="0" marL="0">
-              <a:buNone/>
-            </a:pPr>
+              <a:t>Give yourself time to read, review, re-read and select your juiciest points</a:t>
+            </a:r>
+          </a:p>
+          <a:p>
+            <a:pPr lvl="0"/>
             <a:r>
               <a:rPr/>
-              <a:t>But we will be moving on and the CP will be part of your independent study</a:t>
-            </a:r>
-          </a:p>
-          <a:p>
-            <a:pPr lvl="0" indent="0" marL="0">
-              <a:buNone/>
-            </a:pPr>
+              <a:t>Avoid any discussion of methodologies that cannot inform your study directly</a:t>
+            </a:r>
+          </a:p>
+          <a:p>
+            <a:pPr lvl="1"/>
             <a:r>
               <a:rPr/>
-              <a:t>Same opportunities for RASA submissions/summer deferrals &amp; resubmissions</a:t>
+              <a:t>e.g. Clinical diagnostic procedures, fMRI technicalities, Criminal Record or Case Study review procedures</a:t>
             </a:r>
           </a:p>
         </p:txBody>
@@ -6562,7 +6522,7 @@
           <p:cNvPr id="2" name="Title 1">
             <a:extLst>
               <a:ext uri="{FF2B5EF4-FFF2-40B4-BE49-F238E27FC236}">
-                <a16:creationId xmlns:a16="http://schemas.microsoft.com/office/drawing/2014/main" id="{FF6A6CB2-D1B6-B94A-84C1-83C65423C650}"/>
+                <a16:creationId xmlns:a16="http://schemas.microsoft.com/office/drawing/2014/main" id="{DD9B8E45-0772-954C-8D4B-6E6808DFEDED}"/>
               </a:ext>
             </a:extLst>
           </p:cNvPr>
@@ -6575,8 +6535,8 @@
         </p:nvSpPr>
         <p:spPr>
           <a:xfrm>
-            <a:off x="831851" y="1709742"/>
-            <a:ext cx="10515600" cy="2852737"/>
+            <a:off x="838200" y="365129"/>
+            <a:ext cx="10002520" cy="1325563"/>
           </a:xfrm>
           <a:prstGeom prst="rect">
             <a:avLst/>
@@ -6591,7 +6551,47 @@
             </a:pPr>
             <a:r>
               <a:rPr/>
-              <a:t>Questions?</a:t>
+              <a:t>You can (will) use LOTS of this in your MD!</a:t>
+            </a:r>
+          </a:p>
+        </p:txBody>
+      </p:sp>
+      <p:sp>
+        <p:nvSpPr>
+          <p:cNvPr id="3" name="Content Placeholder 2">
+            <a:extLst>
+              <a:ext uri="{FF2B5EF4-FFF2-40B4-BE49-F238E27FC236}">
+                <a16:creationId xmlns:a16="http://schemas.microsoft.com/office/drawing/2014/main" id="{A4EB24F9-04F1-C843-9D71-56C5C024552B}"/>
+              </a:ext>
+            </a:extLst>
+          </p:cNvPr>
+          <p:cNvSpPr>
+            <a:spLocks noGrp="1"/>
+          </p:cNvSpPr>
+          <p:nvPr>
+            <p:ph idx="1"/>
+          </p:nvPr>
+        </p:nvSpPr>
+        <p:spPr/>
+        <p:txBody>
+          <a:bodyPr/>
+          <a:lstStyle/>
+          <a:p>
+            <a:pPr lvl="0" indent="0" marL="0">
+              <a:buNone/>
+            </a:pPr>
+            <a:r>
+              <a:rPr/>
+              <a:t>This isn’t a sidetrack exercise. It’s a critical step in your project</a:t>
+            </a:r>
+          </a:p>
+          <a:p>
+            <a:pPr lvl="0" indent="0" marL="0">
+              <a:buNone/>
+            </a:pPr>
+            <a:r>
+              <a:rPr/>
+              <a:t>Note your references, note your main points, be organised</a:t>
             </a:r>
           </a:p>
         </p:txBody>
@@ -6652,7 +6652,7 @@
             </a:pPr>
             <a:r>
               <a:rPr/>
-              <a:t>New Teaching Fellow in Lab 03 WB300 9:30-11:30</a:t>
+              <a:t>Weeks 4 &amp; 5</a:t>
             </a:r>
           </a:p>
         </p:txBody>
@@ -6683,7 +6683,7 @@
             </a:pPr>
             <a:r>
               <a:rPr/>
-              <a:t>Dr. Faize Eryaman</a:t>
+              <a:t>Talking about Variables and the 3 ‘flavours’ of ANOVA in week 4</a:t>
             </a:r>
           </a:p>
           <a:p>
@@ -6692,7 +6692,7 @@
             </a:pPr>
             <a:r>
               <a:rPr/>
-              <a:t>I’m going to meet her directly after this.</a:t>
+              <a:t>Week 5 is ‘power calculations’ and opportunity to discuss CP</a:t>
             </a:r>
           </a:p>
           <a:p>
@@ -6701,7 +6701,7 @@
             </a:pPr>
             <a:r>
               <a:rPr/>
-              <a:t>New to Goldsmiths, but a fantastic researcher and teacher.</a:t>
+              <a:t>But we will be moving on and the CP will be part of your independent study</a:t>
             </a:r>
           </a:p>
           <a:p>
@@ -6710,7 +6710,7 @@
             </a:pPr>
             <a:r>
               <a:rPr/>
-              <a:t>Please help her settle in!</a:t>
+              <a:t>Same opportunities for RASA submissions/summer deferrals &amp; resubmissions</a:t>
             </a:r>
           </a:p>
         </p:txBody>
@@ -6742,142 +6742,6 @@
           <p:cNvPr id="2" name="Title 1">
             <a:extLst>
               <a:ext uri="{FF2B5EF4-FFF2-40B4-BE49-F238E27FC236}">
-                <a16:creationId xmlns:a16="http://schemas.microsoft.com/office/drawing/2014/main" id="{DD9B8E45-0772-954C-8D4B-6E6808DFEDED}"/>
-              </a:ext>
-            </a:extLst>
-          </p:cNvPr>
-          <p:cNvSpPr>
-            <a:spLocks noGrp="1"/>
-          </p:cNvSpPr>
-          <p:nvPr>
-            <p:ph type="title"/>
-          </p:nvPr>
-        </p:nvSpPr>
-        <p:spPr>
-          <a:xfrm>
-            <a:off x="838200" y="365129"/>
-            <a:ext cx="10002520" cy="1325563"/>
-          </a:xfrm>
-          <a:prstGeom prst="rect">
-            <a:avLst/>
-          </a:prstGeom>
-        </p:spPr>
-        <p:txBody>
-          <a:bodyPr/>
-          <a:lstStyle/>
-          <a:p>
-            <a:pPr lvl="0" indent="0" marL="0">
-              <a:buNone/>
-            </a:pPr>
-            <a:r>
-              <a:rPr/>
-              <a:t>Roving Gordon</a:t>
-            </a:r>
-          </a:p>
-        </p:txBody>
-      </p:sp>
-      <p:sp>
-        <p:nvSpPr>
-          <p:cNvPr id="3" name="Content Placeholder 2">
-            <a:extLst>
-              <a:ext uri="{FF2B5EF4-FFF2-40B4-BE49-F238E27FC236}">
-                <a16:creationId xmlns:a16="http://schemas.microsoft.com/office/drawing/2014/main" id="{A4EB24F9-04F1-C843-9D71-56C5C024552B}"/>
-              </a:ext>
-            </a:extLst>
-          </p:cNvPr>
-          <p:cNvSpPr>
-            <a:spLocks noGrp="1"/>
-          </p:cNvSpPr>
-          <p:nvPr>
-            <p:ph idx="1"/>
-          </p:nvPr>
-        </p:nvSpPr>
-        <p:spPr/>
-        <p:txBody>
-          <a:bodyPr/>
-          <a:lstStyle/>
-          <a:p>
-            <a:pPr lvl="0" indent="0" marL="0">
-              <a:buNone/>
-            </a:pPr>
-            <a:r>
-              <a:rPr/>
-              <a:t>I shall be more available across all the labs now, and looking to help out as much as I can!</a:t>
-            </a:r>
-          </a:p>
-          <a:p>
-            <a:pPr lvl="0" indent="0" marL="0">
-              <a:buNone/>
-            </a:pPr>
-            <a:r>
-              <a:rPr/>
-              <a:t>I’m looking for opportunities:</a:t>
-            </a:r>
-          </a:p>
-          <a:p>
-            <a:pPr lvl="0"/>
-            <a:r>
-              <a:rPr/>
-              <a:t>To share good ideas or practice</a:t>
-            </a:r>
-          </a:p>
-          <a:p>
-            <a:pPr lvl="0"/>
-            <a:r>
-              <a:rPr/>
-              <a:t>To help confirm consistency and give you confidence</a:t>
-            </a:r>
-          </a:p>
-          <a:p>
-            <a:pPr lvl="0"/>
-            <a:r>
-              <a:rPr/>
-              <a:t>To be another “guide at the side”</a:t>
-            </a:r>
-          </a:p>
-          <a:p>
-            <a:pPr lvl="0"/>
-            <a:r>
-              <a:rPr/>
-              <a:t>To challenge you</a:t>
-            </a:r>
-          </a:p>
-          <a:p>
-            <a:pPr lvl="0"/>
-            <a:r>
-              <a:rPr/>
-              <a:t>But not to confuse you or contradict your Lab or Personal Tutors</a:t>
-            </a:r>
-          </a:p>
-        </p:txBody>
-      </p:sp>
-    </p:spTree>
-  </p:cSld>
-</p:sld>
-</file>
-
-<file path=ppt/slides/slide28.xml><?xml version="1.0" encoding="utf-8"?>
-<p:sld xmlns:a="http://schemas.openxmlformats.org/drawingml/2006/main" xmlns:r="http://schemas.openxmlformats.org/officeDocument/2006/relationships" xmlns:p="http://schemas.openxmlformats.org/presentationml/2006/main">
-  <p:cSld>
-    <p:spTree>
-      <p:nvGrpSpPr>
-        <p:cNvPr id="1" name=""/>
-        <p:cNvGrpSpPr/>
-        <p:nvPr/>
-      </p:nvGrpSpPr>
-      <p:grpSpPr>
-        <a:xfrm>
-          <a:off x="0" y="0"/>
-          <a:ext cx="0" cy="0"/>
-          <a:chOff x="0" y="0"/>
-          <a:chExt cx="0" cy="0"/>
-        </a:xfrm>
-      </p:grpSpPr>
-      <p:sp>
-        <p:nvSpPr>
-          <p:cNvPr id="2" name="Title 1">
-            <a:extLst>
-              <a:ext uri="{FF2B5EF4-FFF2-40B4-BE49-F238E27FC236}">
                 <a16:creationId xmlns:a16="http://schemas.microsoft.com/office/drawing/2014/main" id="{FF6A6CB2-D1B6-B94A-84C1-83C65423C650}"/>
               </a:ext>
             </a:extLst>
@@ -6968,7 +6832,7 @@
             </a:pPr>
             <a:r>
               <a:rPr/>
-              <a:t>Key topics today</a:t>
+              <a:t>The week ahead</a:t>
             </a:r>
           </a:p>
         </p:txBody>
@@ -6994,10 +6858,12 @@
           <a:bodyPr/>
           <a:lstStyle/>
           <a:p>
-            <a:pPr lvl="0"/>
+            <a:pPr lvl="0" indent="0" marL="0">
+              <a:buNone/>
+            </a:pPr>
             <a:r>
               <a:rPr/>
-              <a:t>XX</a:t>
+              <a:t>This week (week XX) you have your Personality Essay Tutorial</a:t>
             </a:r>
           </a:p>
         </p:txBody>
@@ -7058,38 +6924,73 @@
             </a:pPr>
             <a:r>
               <a:rPr/>
+              <a:t>Key topics today</a:t>
+            </a:r>
+          </a:p>
+        </p:txBody>
+      </p:sp>
+      <p:sp>
+        <p:nvSpPr>
+          <p:cNvPr id="3" name="Content Placeholder 2">
+            <a:extLst>
+              <a:ext uri="{FF2B5EF4-FFF2-40B4-BE49-F238E27FC236}">
+                <a16:creationId xmlns:a16="http://schemas.microsoft.com/office/drawing/2014/main" id="{A4EB24F9-04F1-C843-9D71-56C5C024552B}"/>
+              </a:ext>
+            </a:extLst>
+          </p:cNvPr>
+          <p:cNvSpPr>
+            <a:spLocks noGrp="1"/>
+          </p:cNvSpPr>
+          <p:nvPr>
+            <p:ph idx="1"/>
+          </p:nvPr>
+        </p:nvSpPr>
+        <p:spPr/>
+        <p:txBody>
+          <a:bodyPr/>
+          <a:lstStyle/>
+          <a:p>
+            <a:pPr lvl="0" indent="0" marL="0">
+              <a:buNone/>
+            </a:pPr>
+            <a:r>
+              <a:rPr/>
               <a:t>The week ahead</a:t>
             </a:r>
           </a:p>
-        </p:txBody>
-      </p:sp>
-      <p:sp>
-        <p:nvSpPr>
-          <p:cNvPr id="3" name="Content Placeholder 2">
-            <a:extLst>
-              <a:ext uri="{FF2B5EF4-FFF2-40B4-BE49-F238E27FC236}">
-                <a16:creationId xmlns:a16="http://schemas.microsoft.com/office/drawing/2014/main" id="{A4EB24F9-04F1-C843-9D71-56C5C024552B}"/>
-              </a:ext>
-            </a:extLst>
-          </p:cNvPr>
-          <p:cNvSpPr>
-            <a:spLocks noGrp="1"/>
-          </p:cNvSpPr>
-          <p:nvPr>
-            <p:ph idx="1"/>
-          </p:nvPr>
-        </p:nvSpPr>
-        <p:spPr/>
-        <p:txBody>
-          <a:bodyPr/>
-          <a:lstStyle/>
-          <a:p>
-            <a:pPr lvl="0" indent="0" marL="0">
-              <a:buNone/>
-            </a:pPr>
+          <a:p>
+            <a:pPr lvl="0"/>
             <a:r>
               <a:rPr/>
-              <a:t>This week (week XX) you have your Personality Essay Tutorial</a:t>
+              <a:t>Personal Tutor Meeting about Mini-Dissertation this week</a:t>
+            </a:r>
+          </a:p>
+          <a:p>
+            <a:pPr lvl="0"/>
+            <a:r>
+              <a:rPr/>
+              <a:t>also Weeks 8 (ethics), 13 (write-up prep), 17 (Stats)</a:t>
+            </a:r>
+          </a:p>
+          <a:p>
+            <a:pPr lvl="1"/>
+            <a:r>
+              <a:rPr/>
+              <a:t>It is your time, PTs have been told to follow your lead</a:t>
+            </a:r>
+          </a:p>
+          <a:p>
+            <a:pPr lvl="0"/>
+            <a:r>
+              <a:rPr/>
+              <a:t>Critical Proposal overview and tips</a:t>
+            </a:r>
+          </a:p>
+          <a:p>
+            <a:pPr lvl="0"/>
+            <a:r>
+              <a:rPr/>
+              <a:t>Lab preview - Your Critical Proposal Target Paper</a:t>
             </a:r>
           </a:p>
         </p:txBody>
@@ -7150,7 +7051,7 @@
             </a:pPr>
             <a:r>
               <a:rPr/>
-              <a:t>Key topics today</a:t>
+              <a:t>Personal Tutor Meeting Week 3</a:t>
             </a:r>
           </a:p>
         </p:txBody>
@@ -7181,49 +7082,56 @@
             </a:pPr>
             <a:r>
               <a:rPr/>
-              <a:t>The week ahead</a:t>
-            </a:r>
-          </a:p>
-          <a:p>
-            <a:pPr lvl="0"/>
+              <a:t>This week (week 3) you have 50 minutes with your Personal Tutor to discuss the Mini-Dissertation.</a:t>
+            </a:r>
+          </a:p>
+          <a:p>
+            <a:pPr lvl="0" indent="0" marL="0">
+              <a:buNone/>
+            </a:pPr>
             <a:r>
               <a:rPr/>
-              <a:t>Personal Tutor Meeting about Mini-Dissertation this week</a:t>
-            </a:r>
-          </a:p>
-          <a:p>
-            <a:pPr lvl="0"/>
-            <a:r>
-              <a:rPr/>
-              <a:t>also Weeks 8 (ethics), 13 (write-up prep), 17 (Stats)</a:t>
-            </a:r>
-          </a:p>
-          <a:p>
-            <a:pPr lvl="1"/>
-            <a:r>
-              <a:rPr/>
-              <a:t>It is your time, PTs have been told to follow your lead</a:t>
-            </a:r>
-          </a:p>
-          <a:p>
-            <a:pPr lvl="0"/>
-            <a:r>
-              <a:rPr/>
-              <a:t>Critical Proposal overview and tips</a:t>
-            </a:r>
-          </a:p>
-          <a:p>
-            <a:pPr lvl="0"/>
-            <a:r>
-              <a:rPr/>
-              <a:t>Lab preview - Literature search and management</a:t>
-            </a:r>
-          </a:p>
-          <a:p>
-            <a:pPr lvl="1"/>
-            <a:r>
-              <a:rPr/>
-              <a:t>Your Critical Proposal Target Paper</a:t>
+              <a:t>They have been given whatever you managed to include in the Miro Board last week</a:t>
+            </a:r>
+          </a:p>
+          <a:p>
+            <a:pPr lvl="0" indent="0" marL="1270000">
+              <a:buNone/>
+            </a:pPr>
+          </a:p>
+          <a:p>
+            <a:pPr lvl="0" indent="0" marL="1270000">
+              <a:buNone/>
+            </a:pPr>
+            <a:r>
+              <a:rPr sz="2000"/>
+              <a:t>Your Personal Tutor is ANOTHER source of guidance and support.</a:t>
+            </a:r>
+          </a:p>
+          <a:p>
+            <a:pPr lvl="0" indent="0" marL="1270000">
+              <a:buNone/>
+            </a:pPr>
+            <a:r>
+              <a:rPr sz="2000"/>
+              <a:t>Give them the information they need to best help you on this journey.</a:t>
+            </a:r>
+          </a:p>
+          <a:p>
+            <a:pPr lvl="0" indent="0" marL="1270000">
+              <a:buNone/>
+            </a:pPr>
+            <a:r>
+              <a:rPr sz="2000"/>
+              <a:t>Dear PTs, “Next week, you are given </a:t>
+            </a:r>
+            <a:r>
+              <a:rPr sz="2000" b="1"/>
+              <a:t>no information whatsoever</a:t>
+            </a:r>
+            <a:r>
+              <a:rPr sz="2000"/>
+              <a:t>, and are asked to turn up to your session with nothing other than perhaps a pen and paper, a big smile, and anticipation of lots of exciting research in the making.”</a:t>
             </a:r>
           </a:p>
         </p:txBody>
@@ -7284,7 +7192,7 @@
             </a:pPr>
             <a:r>
               <a:rPr/>
-              <a:t>Personal Tutor Meeting Week 3</a:t>
+              <a:t>Future PT Sessions devoted to the MD</a:t>
             </a:r>
           </a:p>
         </p:txBody>
@@ -7315,47 +7223,25 @@
             </a:pPr>
             <a:r>
               <a:rPr/>
-              <a:t>This week (week 3) you have 50 minutes with your Personal Tutor to discuss the Mini-Dissertation</a:t>
-            </a:r>
-          </a:p>
-          <a:p>
-            <a:pPr lvl="0" indent="0" marL="1270000">
+              <a:t>Week 8 - Check on status of Ethics application, and troubleshooting</a:t>
+            </a:r>
+          </a:p>
+          <a:p>
+            <a:pPr lvl="0" indent="0" marL="0">
               <a:buNone/>
             </a:pPr>
-          </a:p>
-          <a:p>
-            <a:pPr lvl="0" indent="0" marL="1270000">
+            <a:r>
+              <a:rPr/>
+              <a:t>Week 13 - Session to support Analysis Planning and Writing up/Submission preparation</a:t>
+            </a:r>
+          </a:p>
+          <a:p>
+            <a:pPr lvl="0" indent="0" marL="0">
               <a:buNone/>
             </a:pPr>
             <a:r>
-              <a:rPr sz="2000"/>
-              <a:t>Your Personal Tutor is ANOTHER source of guidance and support.</a:t>
-            </a:r>
-          </a:p>
-          <a:p>
-            <a:pPr lvl="0" indent="0" marL="1270000">
-              <a:buNone/>
-            </a:pPr>
-            <a:r>
-              <a:rPr sz="2000"/>
-              <a:t>Give them the information they need to best help you on this journey.</a:t>
-            </a:r>
-          </a:p>
-          <a:p>
-            <a:pPr lvl="0" indent="0" marL="1270000">
-              <a:buNone/>
-            </a:pPr>
-            <a:r>
-              <a:rPr sz="2000"/>
-              <a:t>Dear PTs, “Next week, you are given </a:t>
-            </a:r>
-            <a:r>
-              <a:rPr sz="2000" b="1"/>
-              <a:t>no information whatsoever</a:t>
-            </a:r>
-            <a:r>
-              <a:rPr sz="2000"/>
-              <a:t>, and are asked to turn up to your session with nothing other than perhaps a pen and paper, a big smile, and anticipation of lots of exciting research in the making.”</a:t>
+              <a:rPr/>
+              <a:t>Week 17 - Result interpretation, and any concerns arising in the final phase of the MD</a:t>
             </a:r>
           </a:p>
         </p:txBody>
@@ -7387,7 +7273,7 @@
           <p:cNvPr id="2" name="Title 1">
             <a:extLst>
               <a:ext uri="{FF2B5EF4-FFF2-40B4-BE49-F238E27FC236}">
-                <a16:creationId xmlns:a16="http://schemas.microsoft.com/office/drawing/2014/main" id="{DD9B8E45-0772-954C-8D4B-6E6808DFEDED}"/>
+                <a16:creationId xmlns:a16="http://schemas.microsoft.com/office/drawing/2014/main" id="{FF6A6CB2-D1B6-B94A-84C1-83C65423C650}"/>
               </a:ext>
             </a:extLst>
           </p:cNvPr>
@@ -7400,8 +7286,8 @@
         </p:nvSpPr>
         <p:spPr>
           <a:xfrm>
-            <a:off x="838200" y="365129"/>
-            <a:ext cx="10002520" cy="1325563"/>
+            <a:off x="831851" y="1709742"/>
+            <a:ext cx="10515600" cy="2852737"/>
           </a:xfrm>
           <a:prstGeom prst="rect">
             <a:avLst/>
@@ -7416,56 +7302,7 @@
             </a:pPr>
             <a:r>
               <a:rPr/>
-              <a:t>Future PT Sessions devoted to the MD</a:t>
-            </a:r>
-          </a:p>
-        </p:txBody>
-      </p:sp>
-      <p:sp>
-        <p:nvSpPr>
-          <p:cNvPr id="3" name="Content Placeholder 2">
-            <a:extLst>
-              <a:ext uri="{FF2B5EF4-FFF2-40B4-BE49-F238E27FC236}">
-                <a16:creationId xmlns:a16="http://schemas.microsoft.com/office/drawing/2014/main" id="{A4EB24F9-04F1-C843-9D71-56C5C024552B}"/>
-              </a:ext>
-            </a:extLst>
-          </p:cNvPr>
-          <p:cNvSpPr>
-            <a:spLocks noGrp="1"/>
-          </p:cNvSpPr>
-          <p:nvPr>
-            <p:ph idx="1"/>
-          </p:nvPr>
-        </p:nvSpPr>
-        <p:spPr/>
-        <p:txBody>
-          <a:bodyPr/>
-          <a:lstStyle/>
-          <a:p>
-            <a:pPr lvl="0" indent="0" marL="0">
-              <a:buNone/>
-            </a:pPr>
-            <a:r>
-              <a:rPr/>
-              <a:t>Week 8 - Check on status of Ethics application, and troubleshooting</a:t>
-            </a:r>
-          </a:p>
-          <a:p>
-            <a:pPr lvl="0" indent="0" marL="0">
-              <a:buNone/>
-            </a:pPr>
-            <a:r>
-              <a:rPr/>
-              <a:t>Week 13 - Session to support Analysis Planning and Writing up/Submission preparation</a:t>
-            </a:r>
-          </a:p>
-          <a:p>
-            <a:pPr lvl="0" indent="0" marL="0">
-              <a:buNone/>
-            </a:pPr>
-            <a:r>
-              <a:rPr/>
-              <a:t>Week 17 - Result interpretation, and any concerns arising in the final phase of the MD</a:t>
+              <a:t>Any Questions?</a:t>
             </a:r>
           </a:p>
         </p:txBody>
@@ -7526,7 +7363,7 @@
             </a:pPr>
             <a:r>
               <a:rPr/>
-              <a:t>Any Questions?</a:t>
+              <a:t>Being critical and evaluating the work of others</a:t>
             </a:r>
           </a:p>
         </p:txBody>
@@ -7558,7 +7395,7 @@
           <p:cNvPr id="2" name="Title 1">
             <a:extLst>
               <a:ext uri="{FF2B5EF4-FFF2-40B4-BE49-F238E27FC236}">
-                <a16:creationId xmlns:a16="http://schemas.microsoft.com/office/drawing/2014/main" id="{FF6A6CB2-D1B6-B94A-84C1-83C65423C650}"/>
+                <a16:creationId xmlns:a16="http://schemas.microsoft.com/office/drawing/2014/main" id="{DD9B8E45-0772-954C-8D4B-6E6808DFEDED}"/>
               </a:ext>
             </a:extLst>
           </p:cNvPr>
@@ -7571,8 +7408,8 @@
         </p:nvSpPr>
         <p:spPr>
           <a:xfrm>
-            <a:off x="831851" y="1709742"/>
-            <a:ext cx="10515600" cy="2852737"/>
+            <a:off x="838200" y="365129"/>
+            <a:ext cx="10002520" cy="1325563"/>
           </a:xfrm>
           <a:prstGeom prst="rect">
             <a:avLst/>
@@ -7587,11 +7424,41 @@
             </a:pPr>
             <a:r>
               <a:rPr/>
-              <a:t>Being critical and evaluating the work of others</a:t>
-            </a:r>
-          </a:p>
-        </p:txBody>
-      </p:sp>
+              <a:t>This is a topic and skill you’ve already been shown</a:t>
+            </a:r>
+          </a:p>
+        </p:txBody>
+      </p:sp>
+      <p:pic>
+        <p:nvPicPr>
+          <p:cNvPr descr="images/paste-6F9D0DD1.png" id="0" name="Picture 1"/>
+          <p:cNvPicPr>
+            <a:picLocks noGrp="1" noChangeAspect="1"/>
+          </p:cNvPicPr>
+          <p:nvPr/>
+        </p:nvPicPr>
+        <p:blipFill>
+          <a:blip r:embed="rId2"/>
+          <a:stretch>
+            <a:fillRect/>
+          </a:stretch>
+        </p:blipFill>
+        <p:spPr bwMode="auto">
+          <a:xfrm>
+            <a:off x="838200" y="3568700"/>
+            <a:ext cx="10515600" cy="838200"/>
+          </a:xfrm>
+          <a:prstGeom prst="rect">
+            <a:avLst/>
+          </a:prstGeom>
+          <a:noFill/>
+          <a:ln w="9525">
+            <a:noFill/>
+            <a:headEnd/>
+            <a:tailEnd/>
+          </a:ln>
+        </p:spPr>
+      </p:pic>
     </p:spTree>
   </p:cSld>
 </p:sld>

--- a/_site/slides/week03/lecture.pptx
+++ b/_site/slides/week03/lecture.pptx
@@ -5012,36 +5012,37 @@
           <a:chExt cx="0" cy="0"/>
         </a:xfrm>
       </p:grpSpPr>
-      <p:pic>
-        <p:nvPicPr>
-          <p:cNvPr descr="images/paste-1DF339DB.png" id="0" name="Picture 1"/>
-          <p:cNvPicPr>
-            <a:picLocks noGrp="1" noChangeAspect="1"/>
-          </p:cNvPicPr>
-          <p:nvPr/>
-        </p:nvPicPr>
-        <p:blipFill>
-          <a:blip r:embed="rId2"/>
-          <a:stretch>
-            <a:fillRect/>
-          </a:stretch>
-        </p:blipFill>
-        <p:spPr bwMode="auto">
-          <a:xfrm>
-            <a:off x="838200" y="3225800"/>
-            <a:ext cx="10515600" cy="1536700"/>
-          </a:xfrm>
-          <a:prstGeom prst="rect">
-            <a:avLst/>
-          </a:prstGeom>
-          <a:noFill/>
-          <a:ln w="9525">
-            <a:noFill/>
-            <a:headEnd/>
-            <a:tailEnd/>
-          </a:ln>
-        </p:spPr>
-      </p:pic>
+      <p:sp>
+        <p:nvSpPr>
+          <p:cNvPr id="3" name="Content Placeholder 2">
+            <a:extLst>
+              <a:ext uri="{FF2B5EF4-FFF2-40B4-BE49-F238E27FC236}">
+                <a16:creationId xmlns:a16="http://schemas.microsoft.com/office/drawing/2014/main" id="{A4EB24F9-04F1-C843-9D71-56C5C024552B}"/>
+              </a:ext>
+            </a:extLst>
+          </p:cNvPr>
+          <p:cNvSpPr>
+            <a:spLocks noGrp="1"/>
+          </p:cNvSpPr>
+          <p:nvPr>
+            <p:ph idx="1"/>
+          </p:nvPr>
+        </p:nvSpPr>
+        <p:spPr/>
+        <p:txBody>
+          <a:bodyPr/>
+          <a:lstStyle/>
+          <a:p>
+            <a:pPr lvl="0" indent="0" marL="0">
+              <a:buNone/>
+            </a:pPr>
+            <a:r>
+              <a:rPr/>
+              <a:t>Review these materials and consider your performance of the assessment, and any feedback</a:t>
+            </a:r>
+          </a:p>
+        </p:txBody>
+      </p:sp>
     </p:spTree>
   </p:cSld>
 </p:sld>
@@ -5066,6 +5067,45 @@
       </p:grpSpPr>
       <p:sp>
         <p:nvSpPr>
+          <p:cNvPr id="2" name="Title 1">
+            <a:extLst>
+              <a:ext uri="{FF2B5EF4-FFF2-40B4-BE49-F238E27FC236}">
+                <a16:creationId xmlns:a16="http://schemas.microsoft.com/office/drawing/2014/main" id="{DD9B8E45-0772-954C-8D4B-6E6808DFEDED}"/>
+              </a:ext>
+            </a:extLst>
+          </p:cNvPr>
+          <p:cNvSpPr>
+            <a:spLocks noGrp="1"/>
+          </p:cNvSpPr>
+          <p:nvPr>
+            <p:ph type="title"/>
+          </p:nvPr>
+        </p:nvSpPr>
+        <p:spPr>
+          <a:xfrm>
+            <a:off x="838200" y="365129"/>
+            <a:ext cx="10002520" cy="1325563"/>
+          </a:xfrm>
+          <a:prstGeom prst="rect">
+            <a:avLst/>
+          </a:prstGeom>
+        </p:spPr>
+        <p:txBody>
+          <a:bodyPr/>
+          <a:lstStyle/>
+          <a:p>
+            <a:pPr lvl="0" indent="0" marL="0">
+              <a:buNone/>
+            </a:pPr>
+            <a:r>
+              <a:rPr/>
+              <a:t>This year Critical Analysis has a ‘point’</a:t>
+            </a:r>
+          </a:p>
+        </p:txBody>
+      </p:sp>
+      <p:sp>
+        <p:nvSpPr>
           <p:cNvPr id="3" name="Content Placeholder 2">
             <a:extLst>
               <a:ext uri="{FF2B5EF4-FFF2-40B4-BE49-F238E27FC236}">
@@ -5090,7 +5130,34 @@
             </a:pPr>
             <a:r>
               <a:rPr/>
-              <a:t>Review these materials and consider your performance of the assessment, and any feedback</a:t>
+              <a:t>The objective of the Critical Proposal is that you start to deploy the tools you have practiced in the service of your Mini-Dissertations.</a:t>
+            </a:r>
+          </a:p>
+          <a:p>
+            <a:pPr lvl="0" indent="0" marL="0">
+              <a:buNone/>
+            </a:pPr>
+            <a:r>
+              <a:rPr/>
+              <a:t>A ‘practical’ exercise, which we are giving feedback to once… but that you will do multiple times for your Mini-Dissertation.</a:t>
+            </a:r>
+          </a:p>
+          <a:p>
+            <a:pPr lvl="0" indent="0" marL="0">
+              <a:buNone/>
+            </a:pPr>
+            <a:r>
+              <a:rPr/>
+              <a:t>GOAL: to develop some aspect of your study design or methodology.</a:t>
+            </a:r>
+          </a:p>
+          <a:p>
+            <a:pPr lvl="0" indent="0" marL="0">
+              <a:buNone/>
+            </a:pPr>
+            <a:r>
+              <a:rPr/>
+              <a:t>You will probably follow this process ‘a few times’ for your final year dissertation!</a:t>
             </a:r>
           </a:p>
         </p:txBody>
@@ -5151,7 +5218,7 @@
             </a:pPr>
             <a:r>
               <a:rPr/>
-              <a:t>This year Critical Analysis has a ‘point’</a:t>
+              <a:t>The Four ‘Big’ Validities</a:t>
             </a:r>
           </a:p>
         </p:txBody>
@@ -5181,8 +5248,12 @@
               <a:buNone/>
             </a:pPr>
             <a:r>
+              <a:rPr b="1"/>
+              <a:t>Internal Validity</a:t>
+            </a:r>
+            <a:r>
               <a:rPr/>
-              <a:t>The objective of the Critical Proposal is that you start to deploy the tools you have practiced in the service of your Mini-Dissertations.</a:t>
+              <a:t>: The degree to which an experiment accurately assesses variable relationships without interference from confounding factors.</a:t>
             </a:r>
           </a:p>
           <a:p>
@@ -5190,8 +5261,12 @@
               <a:buNone/>
             </a:pPr>
             <a:r>
+              <a:rPr b="1"/>
+              <a:t>External Validity</a:t>
+            </a:r>
+            <a:r>
               <a:rPr/>
-              <a:t>A ‘practical’ exercise, which we are giving feedback to once… but that you will do multiple times for your Mini-Dissertation.</a:t>
+              <a:t>: The degree to which study results can be applied to different populations or settings, indicating generalizability.</a:t>
             </a:r>
           </a:p>
           <a:p>
@@ -5199,8 +5274,12 @@
               <a:buNone/>
             </a:pPr>
             <a:r>
+              <a:rPr b="1"/>
+              <a:t>Construct Validity</a:t>
+            </a:r>
+            <a:r>
               <a:rPr/>
-              <a:t>GOAL: to develop some aspect of your study design or methodology.</a:t>
+              <a:t>: The evaluation of whether a test effectively measures the intended theoretical construct using multiple indicators.</a:t>
             </a:r>
           </a:p>
           <a:p>
@@ -5208,8 +5287,23 @@
               <a:buNone/>
             </a:pPr>
             <a:r>
+              <a:rPr b="1"/>
+              <a:t>Statistical Validity</a:t>
+            </a:r>
+            <a:r>
               <a:rPr/>
-              <a:t>You will probably follow this process ‘a few times’ for your final year dissertation!</a:t>
+              <a:t>: The assessment of whether statistical methods used in data analysis yield accurate conclusions from the data.</a:t>
+            </a:r>
+          </a:p>
+          <a:p>
+            <a:pPr lvl="0" indent="0" marL="0">
+              <a:buNone/>
+            </a:pPr>
+            <a:r>
+              <a:rPr>
+                <a:hlinkClick r:id="rId2"/>
+              </a:rPr>
+              <a:t>https://opentext.wsu.edu/carriecuttler/chapter/experimentation-and-validity/</a:t>
             </a:r>
           </a:p>
         </p:txBody>
@@ -5967,10 +6061,40 @@
           <a:bodyPr/>
           <a:lstStyle/>
           <a:p>
+            <a:pPr lvl="0" indent="0" marL="0">
+              <a:buNone/>
+            </a:pPr>
+            <a:r>
+              <a:rPr/>
+              <a:t>The week ahead</a:t>
+            </a:r>
+          </a:p>
+          <a:p>
             <a:pPr lvl="0"/>
             <a:r>
               <a:rPr/>
-              <a:t>XX</a:t>
+              <a:t>Personal Tutor Meeting about MD this week</a:t>
+            </a:r>
+          </a:p>
+          <a:p>
+            <a:pPr lvl="0"/>
+            <a:r>
+              <a:rPr/>
+              <a:t>also Weeks 8 (ethics), 13 (write-up prep), 17 (Stats)</a:t>
+            </a:r>
+          </a:p>
+          <a:p>
+            <a:pPr lvl="0"/>
+            <a:r>
+              <a:rPr/>
+              <a:t>Critical Proposal overview and tips</a:t>
+            </a:r>
+          </a:p>
+          <a:p>
+            <a:pPr lvl="0"/>
+            <a:r>
+              <a:rPr/>
+              <a:t>Lab preview - Your Critical Proposal Target Paper</a:t>
             </a:r>
           </a:p>
         </p:txBody>
@@ -6832,7 +6956,7 @@
             </a:pPr>
             <a:r>
               <a:rPr/>
-              <a:t>The week ahead</a:t>
+              <a:t>Personal Tutor Meeting Week 3</a:t>
             </a:r>
           </a:p>
         </p:txBody>
@@ -6863,7 +6987,47 @@
             </a:pPr>
             <a:r>
               <a:rPr/>
-              <a:t>This week (week XX) you have your Personality Essay Tutorial</a:t>
+              <a:t>This week (week 3) you have 50 minutes with your Personal Tutor to discuss the Mini-Dissertation.</a:t>
+            </a:r>
+          </a:p>
+          <a:p>
+            <a:pPr lvl="0" indent="0" marL="1270000">
+              <a:buNone/>
+            </a:pPr>
+          </a:p>
+          <a:p>
+            <a:pPr lvl="0" indent="0" marL="1270000">
+              <a:buNone/>
+            </a:pPr>
+            <a:r>
+              <a:rPr sz="2000"/>
+              <a:t>Your Personal Tutor is ANOTHER source of guidance and support.</a:t>
+            </a:r>
+          </a:p>
+          <a:p>
+            <a:pPr lvl="0" indent="0" marL="1270000">
+              <a:buNone/>
+            </a:pPr>
+            <a:r>
+              <a:rPr sz="2000"/>
+              <a:t>Give them the information they need to best help you on this journey.</a:t>
+            </a:r>
+          </a:p>
+          <a:p>
+            <a:pPr lvl="0" indent="0" marL="1270000">
+              <a:buNone/>
+            </a:pPr>
+            <a:r>
+              <a:rPr sz="2000"/>
+              <a:t>Dear PTs, “Next week, you are given </a:t>
+            </a:r>
+            <a:r>
+              <a:rPr sz="2000" b="1"/>
+              <a:t>no information whatsoever</a:t>
+            </a:r>
+            <a:r>
+              <a:rPr sz="2000"/>
+              <a:t>, and are asked to turn up to your session with nothing other than perhaps a pen and paper, a big smile, and anticipation of lots of exciting research in the making.”</a:t>
             </a:r>
           </a:p>
         </p:txBody>
@@ -6924,7 +7088,7 @@
             </a:pPr>
             <a:r>
               <a:rPr/>
-              <a:t>Key topics today</a:t>
+              <a:t>Future PT Sessions devoted to the MD</a:t>
             </a:r>
           </a:p>
         </p:txBody>
@@ -6955,42 +7119,25 @@
             </a:pPr>
             <a:r>
               <a:rPr/>
-              <a:t>The week ahead</a:t>
-            </a:r>
-          </a:p>
-          <a:p>
-            <a:pPr lvl="0"/>
+              <a:t>Week 8 - Check on status of Ethics application, and troubleshooting</a:t>
+            </a:r>
+          </a:p>
+          <a:p>
+            <a:pPr lvl="0" indent="0" marL="0">
+              <a:buNone/>
+            </a:pPr>
             <a:r>
               <a:rPr/>
-              <a:t>Personal Tutor Meeting about Mini-Dissertation this week</a:t>
-            </a:r>
-          </a:p>
-          <a:p>
-            <a:pPr lvl="0"/>
+              <a:t>Week 13 - Session to support Analysis Planning and Writing up/Submission preparation</a:t>
+            </a:r>
+          </a:p>
+          <a:p>
+            <a:pPr lvl="0" indent="0" marL="0">
+              <a:buNone/>
+            </a:pPr>
             <a:r>
               <a:rPr/>
-              <a:t>also Weeks 8 (ethics), 13 (write-up prep), 17 (Stats)</a:t>
-            </a:r>
-          </a:p>
-          <a:p>
-            <a:pPr lvl="1"/>
-            <a:r>
-              <a:rPr/>
-              <a:t>It is your time, PTs have been told to follow your lead</a:t>
-            </a:r>
-          </a:p>
-          <a:p>
-            <a:pPr lvl="0"/>
-            <a:r>
-              <a:rPr/>
-              <a:t>Critical Proposal overview and tips</a:t>
-            </a:r>
-          </a:p>
-          <a:p>
-            <a:pPr lvl="0"/>
-            <a:r>
-              <a:rPr/>
-              <a:t>Lab preview - Your Critical Proposal Target Paper</a:t>
+              <a:t>Week 17 - Result interpretation, and any concerns arising in the final phase of the MD</a:t>
             </a:r>
           </a:p>
         </p:txBody>
@@ -7022,7 +7169,7 @@
           <p:cNvPr id="2" name="Title 1">
             <a:extLst>
               <a:ext uri="{FF2B5EF4-FFF2-40B4-BE49-F238E27FC236}">
-                <a16:creationId xmlns:a16="http://schemas.microsoft.com/office/drawing/2014/main" id="{DD9B8E45-0772-954C-8D4B-6E6808DFEDED}"/>
+                <a16:creationId xmlns:a16="http://schemas.microsoft.com/office/drawing/2014/main" id="{F3186003-B489-CA46-A95C-C1AECC0CA4D3}"/>
               </a:ext>
             </a:extLst>
           </p:cNvPr>
@@ -7035,8 +7182,8 @@
         </p:nvSpPr>
         <p:spPr>
           <a:xfrm>
-            <a:off x="838200" y="365129"/>
-            <a:ext cx="10002520" cy="1325563"/>
+            <a:off x="839788" y="457200"/>
+            <a:ext cx="3932237" cy="1600200"/>
           </a:xfrm>
           <a:prstGeom prst="rect">
             <a:avLst/>
@@ -7051,25 +7198,25 @@
             </a:pPr>
             <a:r>
               <a:rPr/>
-              <a:t>Personal Tutor Meeting Week 3</a:t>
-            </a:r>
-          </a:p>
-        </p:txBody>
-      </p:sp>
-      <p:sp>
-        <p:nvSpPr>
-          <p:cNvPr id="3" name="Content Placeholder 2">
-            <a:extLst>
-              <a:ext uri="{FF2B5EF4-FFF2-40B4-BE49-F238E27FC236}">
-                <a16:creationId xmlns:a16="http://schemas.microsoft.com/office/drawing/2014/main" id="{A4EB24F9-04F1-C843-9D71-56C5C024552B}"/>
-              </a:ext>
-            </a:extLst>
-          </p:cNvPr>
-          <p:cNvSpPr>
-            <a:spLocks noGrp="1"/>
-          </p:cNvSpPr>
-          <p:nvPr>
-            <p:ph idx="1"/>
+              <a:t>Please fill in a group on your Lab Miro Board.</a:t>
+            </a:r>
+          </a:p>
+        </p:txBody>
+      </p:sp>
+      <p:sp>
+        <p:nvSpPr>
+          <p:cNvPr id="4" name="Text Placeholder 3">
+            <a:extLst>
+              <a:ext uri="{FF2B5EF4-FFF2-40B4-BE49-F238E27FC236}">
+                <a16:creationId xmlns:a16="http://schemas.microsoft.com/office/drawing/2014/main" id="{898BA411-2A54-A94A-B3FC-826281DBEADF}"/>
+              </a:ext>
+            </a:extLst>
+          </p:cNvPr>
+          <p:cNvSpPr>
+            <a:spLocks noGrp="1"/>
+          </p:cNvSpPr>
+          <p:nvPr>
+            <p:ph idx="2" sz="half" type="body"/>
           </p:nvPr>
         </p:nvSpPr>
         <p:spPr/>
@@ -7082,60 +7229,41 @@
             </a:pPr>
             <a:r>
               <a:rPr/>
-              <a:t>This week (week 3) you have 50 minutes with your Personal Tutor to discuss the Mini-Dissertation.</a:t>
-            </a:r>
-          </a:p>
-          <a:p>
-            <a:pPr lvl="0" indent="0" marL="0">
-              <a:buNone/>
-            </a:pPr>
-            <a:r>
-              <a:rPr/>
-              <a:t>They have been given whatever you managed to include in the Miro Board last week</a:t>
-            </a:r>
-          </a:p>
-          <a:p>
-            <a:pPr lvl="0" indent="0" marL="1270000">
-              <a:buNone/>
-            </a:pPr>
-          </a:p>
-          <a:p>
-            <a:pPr lvl="0" indent="0" marL="1270000">
-              <a:buNone/>
-            </a:pPr>
-            <a:r>
-              <a:rPr sz="2000"/>
-              <a:t>Your Personal Tutor is ANOTHER source of guidance and support.</a:t>
-            </a:r>
-          </a:p>
-          <a:p>
-            <a:pPr lvl="0" indent="0" marL="1270000">
-              <a:buNone/>
-            </a:pPr>
-            <a:r>
-              <a:rPr sz="2000"/>
-              <a:t>Give them the information they need to best help you on this journey.</a:t>
-            </a:r>
-          </a:p>
-          <a:p>
-            <a:pPr lvl="0" indent="0" marL="1270000">
-              <a:buNone/>
-            </a:pPr>
-            <a:r>
-              <a:rPr sz="2000"/>
-              <a:t>Dear PTs, “Next week, you are given </a:t>
-            </a:r>
-            <a:r>
-              <a:rPr sz="2000" b="1"/>
-              <a:t>no information whatsoever</a:t>
-            </a:r>
-            <a:r>
-              <a:rPr sz="2000"/>
-              <a:t>, and are asked to turn up to your session with nothing other than perhaps a pen and paper, a big smile, and anticipation of lots of exciting research in the making.”</a:t>
-            </a:r>
-          </a:p>
-        </p:txBody>
-      </p:sp>
+              <a:t>Even just your names… Help us to help you. Please.</a:t>
+            </a:r>
+          </a:p>
+        </p:txBody>
+      </p:sp>
+      <p:pic>
+        <p:nvPicPr>
+          <p:cNvPr descr="images/Miro.png" id="0" name="Picture 1"/>
+          <p:cNvPicPr>
+            <a:picLocks noGrp="1" noChangeAspect="1"/>
+          </p:cNvPicPr>
+          <p:nvPr/>
+        </p:nvPicPr>
+        <p:blipFill>
+          <a:blip r:embed="rId2"/>
+          <a:stretch>
+            <a:fillRect/>
+          </a:stretch>
+        </p:blipFill>
+        <p:spPr bwMode="auto">
+          <a:xfrm>
+            <a:off x="5181600" y="1816100"/>
+            <a:ext cx="6172200" cy="3187700"/>
+          </a:xfrm>
+          <a:prstGeom prst="rect">
+            <a:avLst/>
+          </a:prstGeom>
+          <a:noFill/>
+          <a:ln w="9525">
+            <a:noFill/>
+            <a:headEnd/>
+            <a:tailEnd/>
+          </a:ln>
+        </p:spPr>
+      </p:pic>
     </p:spTree>
   </p:cSld>
 </p:sld>
@@ -7163,7 +7291,7 @@
           <p:cNvPr id="2" name="Title 1">
             <a:extLst>
               <a:ext uri="{FF2B5EF4-FFF2-40B4-BE49-F238E27FC236}">
-                <a16:creationId xmlns:a16="http://schemas.microsoft.com/office/drawing/2014/main" id="{DD9B8E45-0772-954C-8D4B-6E6808DFEDED}"/>
+                <a16:creationId xmlns:a16="http://schemas.microsoft.com/office/drawing/2014/main" id="{FF6A6CB2-D1B6-B94A-84C1-83C65423C650}"/>
               </a:ext>
             </a:extLst>
           </p:cNvPr>
@@ -7176,8 +7304,8 @@
         </p:nvSpPr>
         <p:spPr>
           <a:xfrm>
-            <a:off x="838200" y="365129"/>
-            <a:ext cx="10002520" cy="1325563"/>
+            <a:off x="831851" y="1709742"/>
+            <a:ext cx="10515600" cy="2852737"/>
           </a:xfrm>
           <a:prstGeom prst="rect">
             <a:avLst/>
@@ -7192,56 +7320,7 @@
             </a:pPr>
             <a:r>
               <a:rPr/>
-              <a:t>Future PT Sessions devoted to the MD</a:t>
-            </a:r>
-          </a:p>
-        </p:txBody>
-      </p:sp>
-      <p:sp>
-        <p:nvSpPr>
-          <p:cNvPr id="3" name="Content Placeholder 2">
-            <a:extLst>
-              <a:ext uri="{FF2B5EF4-FFF2-40B4-BE49-F238E27FC236}">
-                <a16:creationId xmlns:a16="http://schemas.microsoft.com/office/drawing/2014/main" id="{A4EB24F9-04F1-C843-9D71-56C5C024552B}"/>
-              </a:ext>
-            </a:extLst>
-          </p:cNvPr>
-          <p:cNvSpPr>
-            <a:spLocks noGrp="1"/>
-          </p:cNvSpPr>
-          <p:nvPr>
-            <p:ph idx="1"/>
-          </p:nvPr>
-        </p:nvSpPr>
-        <p:spPr/>
-        <p:txBody>
-          <a:bodyPr/>
-          <a:lstStyle/>
-          <a:p>
-            <a:pPr lvl="0" indent="0" marL="0">
-              <a:buNone/>
-            </a:pPr>
-            <a:r>
-              <a:rPr/>
-              <a:t>Week 8 - Check on status of Ethics application, and troubleshooting</a:t>
-            </a:r>
-          </a:p>
-          <a:p>
-            <a:pPr lvl="0" indent="0" marL="0">
-              <a:buNone/>
-            </a:pPr>
-            <a:r>
-              <a:rPr/>
-              <a:t>Week 13 - Session to support Analysis Planning and Writing up/Submission preparation</a:t>
-            </a:r>
-          </a:p>
-          <a:p>
-            <a:pPr lvl="0" indent="0" marL="0">
-              <a:buNone/>
-            </a:pPr>
-            <a:r>
-              <a:rPr/>
-              <a:t>Week 17 - Result interpretation, and any concerns arising in the final phase of the MD</a:t>
+              <a:t>Any Questions?</a:t>
             </a:r>
           </a:p>
         </p:txBody>
@@ -7302,7 +7381,7 @@
             </a:pPr>
             <a:r>
               <a:rPr/>
-              <a:t>Any Questions?</a:t>
+              <a:t>Being critical and evaluating the work of others</a:t>
             </a:r>
           </a:p>
         </p:txBody>
@@ -7334,7 +7413,7 @@
           <p:cNvPr id="2" name="Title 1">
             <a:extLst>
               <a:ext uri="{FF2B5EF4-FFF2-40B4-BE49-F238E27FC236}">
-                <a16:creationId xmlns:a16="http://schemas.microsoft.com/office/drawing/2014/main" id="{FF6A6CB2-D1B6-B94A-84C1-83C65423C650}"/>
+                <a16:creationId xmlns:a16="http://schemas.microsoft.com/office/drawing/2014/main" id="{DD9B8E45-0772-954C-8D4B-6E6808DFEDED}"/>
               </a:ext>
             </a:extLst>
           </p:cNvPr>
@@ -7347,8 +7426,8 @@
         </p:nvSpPr>
         <p:spPr>
           <a:xfrm>
-            <a:off x="831851" y="1709742"/>
-            <a:ext cx="10515600" cy="2852737"/>
+            <a:off x="838200" y="365129"/>
+            <a:ext cx="10002520" cy="1325563"/>
           </a:xfrm>
           <a:prstGeom prst="rect">
             <a:avLst/>
@@ -7363,11 +7442,41 @@
             </a:pPr>
             <a:r>
               <a:rPr/>
-              <a:t>Being critical and evaluating the work of others</a:t>
-            </a:r>
-          </a:p>
-        </p:txBody>
-      </p:sp>
+              <a:t>This is a topic and skill you’ve already been shown</a:t>
+            </a:r>
+          </a:p>
+        </p:txBody>
+      </p:sp>
+      <p:pic>
+        <p:nvPicPr>
+          <p:cNvPr descr="images/paste-6F9D0DD1.png" id="0" name="Picture 1"/>
+          <p:cNvPicPr>
+            <a:picLocks noGrp="1" noChangeAspect="1"/>
+          </p:cNvPicPr>
+          <p:nvPr/>
+        </p:nvPicPr>
+        <p:blipFill>
+          <a:blip r:embed="rId2"/>
+          <a:stretch>
+            <a:fillRect/>
+          </a:stretch>
+        </p:blipFill>
+        <p:spPr bwMode="auto">
+          <a:xfrm>
+            <a:off x="838200" y="3568700"/>
+            <a:ext cx="10515600" cy="838200"/>
+          </a:xfrm>
+          <a:prstGeom prst="rect">
+            <a:avLst/>
+          </a:prstGeom>
+          <a:noFill/>
+          <a:ln w="9525">
+            <a:noFill/>
+            <a:headEnd/>
+            <a:tailEnd/>
+          </a:ln>
+        </p:spPr>
+      </p:pic>
     </p:spTree>
   </p:cSld>
 </p:sld>
@@ -7390,48 +7499,9 @@
           <a:chExt cx="0" cy="0"/>
         </a:xfrm>
       </p:grpSpPr>
-      <p:sp>
-        <p:nvSpPr>
-          <p:cNvPr id="2" name="Title 1">
-            <a:extLst>
-              <a:ext uri="{FF2B5EF4-FFF2-40B4-BE49-F238E27FC236}">
-                <a16:creationId xmlns:a16="http://schemas.microsoft.com/office/drawing/2014/main" id="{DD9B8E45-0772-954C-8D4B-6E6808DFEDED}"/>
-              </a:ext>
-            </a:extLst>
-          </p:cNvPr>
-          <p:cNvSpPr>
-            <a:spLocks noGrp="1"/>
-          </p:cNvSpPr>
-          <p:nvPr>
-            <p:ph type="title"/>
-          </p:nvPr>
-        </p:nvSpPr>
-        <p:spPr>
-          <a:xfrm>
-            <a:off x="838200" y="365129"/>
-            <a:ext cx="10002520" cy="1325563"/>
-          </a:xfrm>
-          <a:prstGeom prst="rect">
-            <a:avLst/>
-          </a:prstGeom>
-        </p:spPr>
-        <p:txBody>
-          <a:bodyPr/>
-          <a:lstStyle/>
-          <a:p>
-            <a:pPr lvl="0" indent="0" marL="0">
-              <a:buNone/>
-            </a:pPr>
-            <a:r>
-              <a:rPr/>
-              <a:t>This is a topic and skill you’ve already been shown</a:t>
-            </a:r>
-          </a:p>
-        </p:txBody>
-      </p:sp>
       <p:pic>
         <p:nvPicPr>
-          <p:cNvPr descr="images/paste-6F9D0DD1.png" id="0" name="Picture 1"/>
+          <p:cNvPr descr="images/paste-1DF339DB.png" id="0" name="Picture 1"/>
           <p:cNvPicPr>
             <a:picLocks noGrp="1" noChangeAspect="1"/>
           </p:cNvPicPr>
@@ -7445,8 +7515,8 @@
         </p:blipFill>
         <p:spPr bwMode="auto">
           <a:xfrm>
-            <a:off x="838200" y="3568700"/>
-            <a:ext cx="10515600" cy="838200"/>
+            <a:off x="838200" y="3225800"/>
+            <a:ext cx="10515600" cy="1536700"/>
           </a:xfrm>
           <a:prstGeom prst="rect">
             <a:avLst/>

--- a/_site/slides/week03/lecture.pptx
+++ b/_site/slides/week03/lecture.pptx
@@ -6994,10 +6994,6 @@
             <a:pPr lvl="0" indent="0" marL="1270000">
               <a:buNone/>
             </a:pPr>
-            <a:r>
-              <a:rPr sz="2000" b="1"/>
-              <a:t>Tip</a:t>
-            </a:r>
           </a:p>
           <a:p>
             <a:pPr lvl="0" indent="0" marL="1270000">

--- a/_site/slides/week03/lecture.pptx
+++ b/_site/slides/week03/lecture.pptx
@@ -6994,6 +6994,10 @@
             <a:pPr lvl="0" indent="0" marL="1270000">
               <a:buNone/>
             </a:pPr>
+            <a:r>
+              <a:rPr sz="2000" b="1"/>
+              <a:t>Tip</a:t>
+            </a:r>
           </a:p>
           <a:p>
             <a:pPr lvl="0" indent="0" marL="1270000">
